--- a/Camosino.pptx
+++ b/Camosino.pptx
@@ -308,7 +308,7 @@
             <a:fld id="{5586B75A-687E-405C-8A0B-8D00578BA2C3}" type="datetimeFigureOut">
               <a:rPr lang="en-US" smtClean="0"/>
               <a:pPr/>
-              <a:t>11/13/2018</a:t>
+              <a:t>11/15/2018</a:t>
             </a:fld>
             <a:endParaRPr lang="en-US" dirty="0"/>
           </a:p>
@@ -480,7 +480,7 @@
             <a:fld id="{5586B75A-687E-405C-8A0B-8D00578BA2C3}" type="datetimeFigureOut">
               <a:rPr lang="en-US" smtClean="0"/>
               <a:pPr/>
-              <a:t>11/13/2018</a:t>
+              <a:t>11/15/2018</a:t>
             </a:fld>
             <a:endParaRPr lang="en-US" dirty="0"/>
           </a:p>
@@ -705,7 +705,7 @@
             <a:fld id="{5586B75A-687E-405C-8A0B-8D00578BA2C3}" type="datetimeFigureOut">
               <a:rPr lang="en-US" smtClean="0"/>
               <a:pPr/>
-              <a:t>11/13/2018</a:t>
+              <a:t>11/15/2018</a:t>
             </a:fld>
             <a:endParaRPr lang="en-US" dirty="0"/>
           </a:p>
@@ -887,7 +887,7 @@
             <a:fld id="{5586B75A-687E-405C-8A0B-8D00578BA2C3}" type="datetimeFigureOut">
               <a:rPr lang="en-US" smtClean="0"/>
               <a:pPr/>
-              <a:t>11/13/2018</a:t>
+              <a:t>11/15/2018</a:t>
             </a:fld>
             <a:endParaRPr lang="en-US" dirty="0"/>
           </a:p>
@@ -1195,7 +1195,7 @@
             <a:fld id="{5586B75A-687E-405C-8A0B-8D00578BA2C3}" type="datetimeFigureOut">
               <a:rPr lang="en-US" smtClean="0"/>
               <a:pPr/>
-              <a:t>11/13/2018</a:t>
+              <a:t>11/15/2018</a:t>
             </a:fld>
             <a:endParaRPr lang="en-US" dirty="0"/>
           </a:p>
@@ -1501,7 +1501,7 @@
             <a:fld id="{5586B75A-687E-405C-8A0B-8D00578BA2C3}" type="datetimeFigureOut">
               <a:rPr lang="en-US" smtClean="0"/>
               <a:pPr/>
-              <a:t>11/13/2018</a:t>
+              <a:t>11/15/2018</a:t>
             </a:fld>
             <a:endParaRPr lang="en-US" dirty="0"/>
           </a:p>
@@ -1925,7 +1925,7 @@
             <a:fld id="{5586B75A-687E-405C-8A0B-8D00578BA2C3}" type="datetimeFigureOut">
               <a:rPr lang="en-US" smtClean="0"/>
               <a:pPr/>
-              <a:t>11/13/2018</a:t>
+              <a:t>11/15/2018</a:t>
             </a:fld>
             <a:endParaRPr lang="en-US" dirty="0"/>
           </a:p>
@@ -2045,7 +2045,7 @@
             <a:fld id="{5586B75A-687E-405C-8A0B-8D00578BA2C3}" type="datetimeFigureOut">
               <a:rPr lang="en-US" smtClean="0"/>
               <a:pPr/>
-              <a:t>11/13/2018</a:t>
+              <a:t>11/15/2018</a:t>
             </a:fld>
             <a:endParaRPr lang="en-US" dirty="0"/>
           </a:p>
@@ -2142,7 +2142,7 @@
             <a:fld id="{5586B75A-687E-405C-8A0B-8D00578BA2C3}" type="datetimeFigureOut">
               <a:rPr lang="en-US" smtClean="0"/>
               <a:pPr/>
-              <a:t>11/13/2018</a:t>
+              <a:t>11/15/2018</a:t>
             </a:fld>
             <a:endParaRPr lang="en-US" dirty="0"/>
           </a:p>
@@ -2417,7 +2417,7 @@
             <a:fld id="{5586B75A-687E-405C-8A0B-8D00578BA2C3}" type="datetimeFigureOut">
               <a:rPr lang="en-US" smtClean="0"/>
               <a:pPr/>
-              <a:t>11/13/2018</a:t>
+              <a:t>11/15/2018</a:t>
             </a:fld>
             <a:endParaRPr lang="en-US" dirty="0"/>
           </a:p>
@@ -2684,7 +2684,7 @@
             <a:fld id="{5586B75A-687E-405C-8A0B-8D00578BA2C3}" type="datetimeFigureOut">
               <a:rPr lang="en-US" smtClean="0"/>
               <a:pPr/>
-              <a:t>11/13/2018</a:t>
+              <a:t>11/15/2018</a:t>
             </a:fld>
             <a:endParaRPr lang="en-US" dirty="0"/>
           </a:p>
@@ -2935,7 +2935,7 @@
             <a:fld id="{5586B75A-687E-405C-8A0B-8D00578BA2C3}" type="datetimeFigureOut">
               <a:rPr lang="en-US" smtClean="0"/>
               <a:pPr/>
-              <a:t>11/13/2018</a:t>
+              <a:t>11/15/2018</a:t>
             </a:fld>
             <a:endParaRPr lang="en-US" dirty="0"/>
           </a:p>
@@ -3542,32 +3542,48 @@
           <a:lstStyle/>
           <a:p>
             <a:r>
+              <a:rPr lang="de-DE" dirty="0" smtClean="0"/>
+              <a:t>Dem </a:t>
+            </a:r>
+            <a:r>
+              <a:rPr lang="de-DE" dirty="0" smtClean="0"/>
+              <a:t>Spieler eine Slot-Maschine und Roulette zum spielen anbieten</a:t>
+            </a:r>
+          </a:p>
+          <a:p>
+            <a:r>
+              <a:rPr lang="de-DE" dirty="0" smtClean="0"/>
+              <a:t>Der Spieler kann </a:t>
+            </a:r>
+            <a:r>
+              <a:rPr lang="de-DE" dirty="0" smtClean="0"/>
+              <a:t>Level </a:t>
+            </a:r>
+            <a:r>
+              <a:rPr lang="de-DE" dirty="0" smtClean="0"/>
+              <a:t>aufsteigen, und </a:t>
+            </a:r>
+            <a:r>
+              <a:rPr lang="de-DE" dirty="0" smtClean="0"/>
+              <a:t>wird </a:t>
+            </a:r>
+            <a:r>
+              <a:rPr lang="de-DE" dirty="0" smtClean="0"/>
+              <a:t>dafür auch belohnt</a:t>
+            </a:r>
+          </a:p>
+          <a:p>
+            <a:r>
               <a:rPr lang="de-DE" dirty="0"/>
-              <a:t>D</a:t>
+              <a:t>Tägliche Login </a:t>
             </a:r>
             <a:r>
               <a:rPr lang="de-DE" dirty="0" smtClean="0"/>
-              <a:t>en Spieler eine Slot-Maschine </a:t>
-            </a:r>
-            <a:r>
-              <a:rPr lang="de-DE" dirty="0" smtClean="0"/>
-              <a:t>und Roulette </a:t>
-            </a:r>
-            <a:r>
-              <a:rPr lang="de-DE" dirty="0" smtClean="0"/>
-              <a:t>zum spielen anbieten</a:t>
-            </a:r>
-          </a:p>
-          <a:p>
-            <a:r>
-              <a:rPr lang="de-DE" dirty="0" smtClean="0"/>
-              <a:t>Der Spieler kann Levels aufsteigen, und wir dafür auch belohnt</a:t>
-            </a:r>
-          </a:p>
-          <a:p>
+              <a:t>Belohnung </a:t>
+            </a:r>
             <a:r>
               <a:rPr lang="de-DE" dirty="0"/>
-              <a:t>Tägliche Login Belohnung für Spielmünzen und </a:t>
+              <a:t>für Spielmünzen und </a:t>
             </a:r>
             <a:r>
               <a:rPr lang="de-DE" dirty="0" smtClean="0"/>
@@ -3577,13 +3593,37 @@
           <a:p>
             <a:r>
               <a:rPr lang="de-DE" dirty="0" smtClean="0"/>
-              <a:t>Eine Bestenliste mit einer Auflistung der größten gewinnen und jeweiligen Spieler</a:t>
-            </a:r>
-          </a:p>
-          <a:p>
+              <a:t>Eine Bestenliste mit einer Auflistung der größten </a:t>
+            </a:r>
             <a:r>
               <a:rPr lang="de-DE" dirty="0" smtClean="0"/>
-              <a:t>Holiday Thematisierte Skins für die Slot-Maschine und den Roulette Tisch</a:t>
+              <a:t>Gewinne </a:t>
+            </a:r>
+            <a:r>
+              <a:rPr lang="de-DE" dirty="0" smtClean="0"/>
+              <a:t>und </a:t>
+            </a:r>
+            <a:r>
+              <a:rPr lang="de-DE" dirty="0" smtClean="0"/>
+              <a:t>jeweiligem </a:t>
+            </a:r>
+            <a:r>
+              <a:rPr lang="de-DE" dirty="0" smtClean="0"/>
+              <a:t>Spieler</a:t>
+            </a:r>
+          </a:p>
+          <a:p>
+            <a:r>
+              <a:rPr lang="de-DE" dirty="0" smtClean="0"/>
+              <a:t>Holiday </a:t>
+            </a:r>
+            <a:r>
+              <a:rPr lang="de-DE" dirty="0" smtClean="0"/>
+              <a:t>thematisierte </a:t>
+            </a:r>
+            <a:r>
+              <a:rPr lang="de-DE" dirty="0" smtClean="0"/>
+              <a:t>Skins für die Slot-Maschine und den Roulette Tisch</a:t>
             </a:r>
           </a:p>
           <a:p>
@@ -3656,7 +3696,7 @@
           <a:p>
             <a:r>
               <a:rPr lang="de-DE" dirty="0" smtClean="0"/>
-              <a:t>Wie soll es Funktionieren</a:t>
+              <a:t>Was Brauchen wir</a:t>
             </a:r>
             <a:endParaRPr lang="de-DE" dirty="0"/>
           </a:p>
@@ -3679,11 +3719,7 @@
           <a:p>
             <a:r>
               <a:rPr lang="de-DE" dirty="0" smtClean="0"/>
-              <a:t>Eine </a:t>
-            </a:r>
-            <a:r>
-              <a:rPr lang="de-DE" dirty="0" smtClean="0"/>
-              <a:t>Datenbank</a:t>
+              <a:t>Eine Datenbank</a:t>
             </a:r>
           </a:p>
           <a:p>
@@ -3691,7 +3727,6 @@
               <a:rPr lang="de-DE" dirty="0" smtClean="0"/>
               <a:t>True Random</a:t>
             </a:r>
-            <a:endParaRPr lang="de-DE" dirty="0" smtClean="0"/>
           </a:p>
           <a:p>
             <a:r>
